--- a/Telepuziki-Chat.pptx
+++ b/Telepuziki-Chat.pptx
@@ -13887,19 +13887,27 @@
             </a:r>
             <a:r>
               <a:rPr lang="ru-RU" dirty="0"/>
-              <a:t>этот интерфейс, перед отправлением по сети трансформируются в `byte</a:t>
+              <a:t>этот интерфейс, перед отправлением по сети трансформируются в </a:t>
+            </a:r>
+            <a:r>
+              <a:rPr lang="ru-RU" b="1" dirty="0" smtClean="0"/>
+              <a:t>byte</a:t>
+            </a:r>
+            <a:r>
+              <a:rPr lang="ru-RU" b="1" dirty="0" smtClean="0"/>
+              <a:t>[]</a:t>
             </a:r>
             <a:r>
               <a:rPr lang="ru-RU" dirty="0" smtClean="0"/>
-              <a:t>[]`. Примерами </a:t>
+              <a:t>. Примерами </a:t>
             </a:r>
             <a:r>
               <a:rPr lang="ru-RU" dirty="0"/>
-              <a:t>реализации данного интерфейса являются например</a:t>
+              <a:t>реализации данного интерфейса </a:t>
             </a:r>
             <a:r>
               <a:rPr lang="ru-RU" dirty="0" smtClean="0"/>
-              <a:t>: </a:t>
+              <a:t>являются: </a:t>
             </a:r>
             <a:r>
               <a:rPr lang="ru-RU" b="1" dirty="0" smtClean="0"/>
@@ -13965,15 +13973,19 @@
             </a:r>
             <a:r>
               <a:rPr lang="ru-RU" dirty="0"/>
-              <a:t>реализации данного интерфейса является: `</a:t>
-            </a:r>
-            <a:r>
-              <a:rPr lang="ru-RU" b="1" dirty="0"/>
+              <a:t>реализации данного интерфейса является: </a:t>
+            </a:r>
+            <a:r>
+              <a:rPr lang="ru-RU" b="1" dirty="0" err="1" smtClean="0"/>
               <a:t>TextMessage</a:t>
             </a:r>
             <a:r>
+              <a:rPr lang="ru-RU" dirty="0" smtClean="0"/>
+              <a:t>, </a:t>
+            </a:r>
+            <a:r>
               <a:rPr lang="ru-RU" dirty="0"/>
-              <a:t>`, но так же </a:t>
+              <a:t>но так же </a:t>
             </a:r>
             <a:r>
               <a:rPr lang="ru-RU" dirty="0" smtClean="0"/>

--- a/Telepuziki-Chat.pptx
+++ b/Telepuziki-Chat.pptx
@@ -13543,7 +13543,7 @@
         </p:spPr>
         <p:txBody>
           <a:bodyPr>
-            <a:normAutofit lnSpcReduction="10000"/>
+            <a:normAutofit fontScale="92500" lnSpcReduction="10000"/>
           </a:bodyPr>
           <a:lstStyle/>
           <a:p>
@@ -13559,8 +13559,12 @@
               <a:t>нескольких </a:t>
             </a:r>
             <a:r>
+              <a:rPr lang="ru-RU" dirty="0" smtClean="0"/>
+              <a:t>тем раскраски </a:t>
+            </a:r>
+            <a:r>
               <a:rPr lang="ru-RU" dirty="0"/>
-              <a:t>тем раскраски всего приложения, </a:t>
+              <a:t>всего приложения, </a:t>
             </a:r>
             <a:r>
               <a:rPr lang="ru-RU" dirty="0" smtClean="0"/>
@@ -13580,7 +13584,17 @@
             </a:r>
             <a:r>
               <a:rPr lang="ru-RU" dirty="0" smtClean="0"/>
-              <a:t>стиль. Для </a:t>
+              <a:t>стиль. </a:t>
+            </a:r>
+            <a:endParaRPr lang="ru-RU" dirty="0" smtClean="0"/>
+          </a:p>
+          <a:p>
+            <a:pPr marL="0" indent="0">
+              <a:buNone/>
+            </a:pPr>
+            <a:r>
+              <a:rPr lang="ru-RU" dirty="0" smtClean="0"/>
+              <a:t>Для </a:t>
             </a:r>
             <a:r>
               <a:rPr lang="ru-RU" dirty="0"/>
@@ -13639,11 +13653,11 @@
               <a:t>theme&lt;</a:t>
             </a:r>
             <a:r>
-              <a:rPr lang="ru-RU" dirty="0" smtClean="0"/>
+              <a:rPr lang="ru-RU" i="1" dirty="0" smtClean="0"/>
               <a:t>название </a:t>
             </a:r>
             <a:r>
-              <a:rPr lang="ru-RU" dirty="0"/>
+              <a:rPr lang="ru-RU" i="1" dirty="0"/>
               <a:t>класса вашего стиля</a:t>
             </a:r>
             <a:r>
@@ -13891,11 +13905,7 @@
             </a:r>
             <a:r>
               <a:rPr lang="ru-RU" b="1" dirty="0" smtClean="0"/>
-              <a:t>byte</a:t>
-            </a:r>
-            <a:r>
-              <a:rPr lang="ru-RU" b="1" dirty="0" smtClean="0"/>
-              <a:t>[]</a:t>
+              <a:t>byte[]</a:t>
             </a:r>
             <a:r>
               <a:rPr lang="ru-RU" dirty="0" smtClean="0"/>
